--- a/Study/15. 타원 곡선 알고리즘.pptx
+++ b/Study/15. 타원 곡선 알고리즘.pptx
@@ -199,7 +199,7 @@
           <a:p>
             <a:fld id="{8DD9E706-E0BA-4FBD-AF15-9E3682821587}" type="datetimeFigureOut">
               <a:rPr lang="ko-KR" altLang="en-US" smtClean="0"/>
-              <a:t>2018-12-28</a:t>
+              <a:t>2019-01-03</a:t>
             </a:fld>
             <a:endParaRPr lang="ko-KR" altLang="en-US"/>
           </a:p>
@@ -887,7 +887,7 @@
           <a:p>
             <a:fld id="{46A2558D-9475-4DD4-8F32-96381613298F}" type="datetimeFigureOut">
               <a:rPr lang="ko-KR" altLang="en-US" smtClean="0"/>
-              <a:t>2018-12-28</a:t>
+              <a:t>2019-01-03</a:t>
             </a:fld>
             <a:endParaRPr lang="ko-KR" altLang="en-US"/>
           </a:p>
@@ -1085,7 +1085,7 @@
           <a:p>
             <a:fld id="{46A2558D-9475-4DD4-8F32-96381613298F}" type="datetimeFigureOut">
               <a:rPr lang="ko-KR" altLang="en-US" smtClean="0"/>
-              <a:t>2018-12-28</a:t>
+              <a:t>2019-01-03</a:t>
             </a:fld>
             <a:endParaRPr lang="ko-KR" altLang="en-US"/>
           </a:p>
@@ -1293,7 +1293,7 @@
           <a:p>
             <a:fld id="{46A2558D-9475-4DD4-8F32-96381613298F}" type="datetimeFigureOut">
               <a:rPr lang="ko-KR" altLang="en-US" smtClean="0"/>
-              <a:t>2018-12-28</a:t>
+              <a:t>2019-01-03</a:t>
             </a:fld>
             <a:endParaRPr lang="ko-KR" altLang="en-US"/>
           </a:p>
@@ -1491,7 +1491,7 @@
           <a:p>
             <a:fld id="{46A2558D-9475-4DD4-8F32-96381613298F}" type="datetimeFigureOut">
               <a:rPr lang="ko-KR" altLang="en-US" smtClean="0"/>
-              <a:t>2018-12-28</a:t>
+              <a:t>2019-01-03</a:t>
             </a:fld>
             <a:endParaRPr lang="ko-KR" altLang="en-US"/>
           </a:p>
@@ -1766,7 +1766,7 @@
           <a:p>
             <a:fld id="{46A2558D-9475-4DD4-8F32-96381613298F}" type="datetimeFigureOut">
               <a:rPr lang="ko-KR" altLang="en-US" smtClean="0"/>
-              <a:t>2018-12-28</a:t>
+              <a:t>2019-01-03</a:t>
             </a:fld>
             <a:endParaRPr lang="ko-KR" altLang="en-US"/>
           </a:p>
@@ -2031,7 +2031,7 @@
           <a:p>
             <a:fld id="{46A2558D-9475-4DD4-8F32-96381613298F}" type="datetimeFigureOut">
               <a:rPr lang="ko-KR" altLang="en-US" smtClean="0"/>
-              <a:t>2018-12-28</a:t>
+              <a:t>2019-01-03</a:t>
             </a:fld>
             <a:endParaRPr lang="ko-KR" altLang="en-US"/>
           </a:p>
@@ -2443,7 +2443,7 @@
           <a:p>
             <a:fld id="{46A2558D-9475-4DD4-8F32-96381613298F}" type="datetimeFigureOut">
               <a:rPr lang="ko-KR" altLang="en-US" smtClean="0"/>
-              <a:t>2018-12-28</a:t>
+              <a:t>2019-01-03</a:t>
             </a:fld>
             <a:endParaRPr lang="ko-KR" altLang="en-US"/>
           </a:p>
@@ -2584,7 +2584,7 @@
           <a:p>
             <a:fld id="{46A2558D-9475-4DD4-8F32-96381613298F}" type="datetimeFigureOut">
               <a:rPr lang="ko-KR" altLang="en-US" smtClean="0"/>
-              <a:t>2018-12-28</a:t>
+              <a:t>2019-01-03</a:t>
             </a:fld>
             <a:endParaRPr lang="ko-KR" altLang="en-US"/>
           </a:p>
@@ -2697,7 +2697,7 @@
           <a:p>
             <a:fld id="{46A2558D-9475-4DD4-8F32-96381613298F}" type="datetimeFigureOut">
               <a:rPr lang="ko-KR" altLang="en-US" smtClean="0"/>
-              <a:t>2018-12-28</a:t>
+              <a:t>2019-01-03</a:t>
             </a:fld>
             <a:endParaRPr lang="ko-KR" altLang="en-US"/>
           </a:p>
@@ -3008,7 +3008,7 @@
           <a:p>
             <a:fld id="{46A2558D-9475-4DD4-8F32-96381613298F}" type="datetimeFigureOut">
               <a:rPr lang="ko-KR" altLang="en-US" smtClean="0"/>
-              <a:t>2018-12-28</a:t>
+              <a:t>2019-01-03</a:t>
             </a:fld>
             <a:endParaRPr lang="ko-KR" altLang="en-US"/>
           </a:p>
@@ -3296,7 +3296,7 @@
           <a:p>
             <a:fld id="{46A2558D-9475-4DD4-8F32-96381613298F}" type="datetimeFigureOut">
               <a:rPr lang="ko-KR" altLang="en-US" smtClean="0"/>
-              <a:t>2018-12-28</a:t>
+              <a:t>2019-01-03</a:t>
             </a:fld>
             <a:endParaRPr lang="ko-KR" altLang="en-US"/>
           </a:p>
@@ -3537,7 +3537,7 @@
           <a:p>
             <a:fld id="{46A2558D-9475-4DD4-8F32-96381613298F}" type="datetimeFigureOut">
               <a:rPr lang="ko-KR" altLang="en-US" smtClean="0"/>
-              <a:t>2018-12-28</a:t>
+              <a:t>2019-01-03</a:t>
             </a:fld>
             <a:endParaRPr lang="ko-KR" altLang="en-US"/>
           </a:p>
